--- a/slideshow/Teologia Sistematica y Biblica - Myer Pearlman/Clases/2. La Palabra de Dios.pptx
+++ b/slideshow/Teologia Sistematica y Biblica - Myer Pearlman/Clases/2. La Palabra de Dios.pptx
@@ -250,7 +250,7 @@
           <a:p>
             <a:fld id="{50DEE611-8BEF-4990-B4F5-91A0FAC492E5}" type="datetimeFigureOut">
               <a:rPr lang="es-VE" smtClean="0"/>
-              <a:t>19/2/2021</a:t>
+              <a:t>22/2/2021</a:t>
             </a:fld>
             <a:endParaRPr lang="es-VE" dirty="0"/>
           </a:p>
@@ -420,7 +420,7 @@
           <a:p>
             <a:fld id="{50DEE611-8BEF-4990-B4F5-91A0FAC492E5}" type="datetimeFigureOut">
               <a:rPr lang="es-VE" smtClean="0"/>
-              <a:t>19/2/2021</a:t>
+              <a:t>22/2/2021</a:t>
             </a:fld>
             <a:endParaRPr lang="es-VE" dirty="0"/>
           </a:p>
@@ -600,7 +600,7 @@
           <a:p>
             <a:fld id="{50DEE611-8BEF-4990-B4F5-91A0FAC492E5}" type="datetimeFigureOut">
               <a:rPr lang="es-VE" smtClean="0"/>
-              <a:t>19/2/2021</a:t>
+              <a:t>22/2/2021</a:t>
             </a:fld>
             <a:endParaRPr lang="es-VE" dirty="0"/>
           </a:p>
@@ -770,7 +770,7 @@
           <a:p>
             <a:fld id="{50DEE611-8BEF-4990-B4F5-91A0FAC492E5}" type="datetimeFigureOut">
               <a:rPr lang="es-VE" smtClean="0"/>
-              <a:t>19/2/2021</a:t>
+              <a:t>22/2/2021</a:t>
             </a:fld>
             <a:endParaRPr lang="es-VE" dirty="0"/>
           </a:p>
@@ -1016,7 +1016,7 @@
           <a:p>
             <a:fld id="{50DEE611-8BEF-4990-B4F5-91A0FAC492E5}" type="datetimeFigureOut">
               <a:rPr lang="es-VE" smtClean="0"/>
-              <a:t>19/2/2021</a:t>
+              <a:t>22/2/2021</a:t>
             </a:fld>
             <a:endParaRPr lang="es-VE" dirty="0"/>
           </a:p>
@@ -1248,7 +1248,7 @@
           <a:p>
             <a:fld id="{50DEE611-8BEF-4990-B4F5-91A0FAC492E5}" type="datetimeFigureOut">
               <a:rPr lang="es-VE" smtClean="0"/>
-              <a:t>19/2/2021</a:t>
+              <a:t>22/2/2021</a:t>
             </a:fld>
             <a:endParaRPr lang="es-VE" dirty="0"/>
           </a:p>
@@ -1615,7 +1615,7 @@
           <a:p>
             <a:fld id="{50DEE611-8BEF-4990-B4F5-91A0FAC492E5}" type="datetimeFigureOut">
               <a:rPr lang="es-VE" smtClean="0"/>
-              <a:t>19/2/2021</a:t>
+              <a:t>22/2/2021</a:t>
             </a:fld>
             <a:endParaRPr lang="es-VE" dirty="0"/>
           </a:p>
@@ -1733,7 +1733,7 @@
           <a:p>
             <a:fld id="{50DEE611-8BEF-4990-B4F5-91A0FAC492E5}" type="datetimeFigureOut">
               <a:rPr lang="es-VE" smtClean="0"/>
-              <a:t>19/2/2021</a:t>
+              <a:t>22/2/2021</a:t>
             </a:fld>
             <a:endParaRPr lang="es-VE" dirty="0"/>
           </a:p>
@@ -1828,7 +1828,7 @@
           <a:p>
             <a:fld id="{50DEE611-8BEF-4990-B4F5-91A0FAC492E5}" type="datetimeFigureOut">
               <a:rPr lang="es-VE" smtClean="0"/>
-              <a:t>19/2/2021</a:t>
+              <a:t>22/2/2021</a:t>
             </a:fld>
             <a:endParaRPr lang="es-VE" dirty="0"/>
           </a:p>
@@ -2105,7 +2105,7 @@
           <a:p>
             <a:fld id="{50DEE611-8BEF-4990-B4F5-91A0FAC492E5}" type="datetimeFigureOut">
               <a:rPr lang="es-VE" smtClean="0"/>
-              <a:t>19/2/2021</a:t>
+              <a:t>22/2/2021</a:t>
             </a:fld>
             <a:endParaRPr lang="es-VE" dirty="0"/>
           </a:p>
@@ -2362,7 +2362,7 @@
           <a:p>
             <a:fld id="{50DEE611-8BEF-4990-B4F5-91A0FAC492E5}" type="datetimeFigureOut">
               <a:rPr lang="es-VE" smtClean="0"/>
-              <a:t>19/2/2021</a:t>
+              <a:t>22/2/2021</a:t>
             </a:fld>
             <a:endParaRPr lang="es-VE" dirty="0"/>
           </a:p>
@@ -2575,7 +2575,7 @@
           <a:p>
             <a:fld id="{50DEE611-8BEF-4990-B4F5-91A0FAC492E5}" type="datetimeFigureOut">
               <a:rPr lang="es-VE" smtClean="0"/>
-              <a:t>19/2/2021</a:t>
+              <a:t>22/2/2021</a:t>
             </a:fld>
             <a:endParaRPr lang="es-VE" dirty="0"/>
           </a:p>
@@ -3369,7 +3369,7 @@
         </p:spPr>
         <p:txBody>
           <a:bodyPr anchor="ctr">
-            <a:normAutofit lnSpcReduction="10000"/>
+            <a:normAutofit/>
           </a:bodyPr>
           <a:lstStyle/>
           <a:p>
@@ -3564,7 +3564,7 @@
             </a:r>
             <a:r>
               <a:rPr lang="es-VE" dirty="0"/>
-              <a:t> de Dios», este uso no es común. Pero sí indica que entre los miembros de la Trinidad es especialmente Dios Hijo quién en su persona tanto como en sus palabras tiene el papel de comunicarnos el carácter de Dios y expresarnos la voluntad de Dios.</a:t>
+              <a:t> de Dios», este uso no es común. Pero sí indica que es especialmente Dios Hijo quién tiene el papel de comunicarnos el carácter de Dios y expresarnos la voluntad de Dios.</a:t>
             </a:r>
           </a:p>
         </p:txBody>
@@ -4962,7 +4962,7 @@
             </a:br>
             <a:r>
               <a:rPr lang="es-VE" sz="2700" dirty="0"/>
-              <a:t>2.4. Palabras de Dios en forma escrita</a:t>
+              <a:t>2.4. Palabras de Dios en forma escrita: La Biblia</a:t>
             </a:r>
             <a:endParaRPr lang="es-VE" sz="3200" b="1" dirty="0"/>
           </a:p>

--- a/slideshow/Teologia Sistematica y Biblica - Myer Pearlman/Clases/2. La Palabra de Dios.pptx
+++ b/slideshow/Teologia Sistematica y Biblica - Myer Pearlman/Clases/2. La Palabra de Dios.pptx
@@ -2,7 +2,7 @@
 <file path=ppt/presentation.xml><?xml version="1.0" encoding="utf-8"?>
 <p:presentation xmlns:a="http://schemas.openxmlformats.org/drawingml/2006/main" xmlns:r="http://schemas.openxmlformats.org/officeDocument/2006/relationships" xmlns:p="http://schemas.openxmlformats.org/presentationml/2006/main" saveSubsetFonts="1">
   <p:sldMasterIdLst>
-    <p:sldMasterId id="2147483672" r:id="rId1"/>
+    <p:sldMasterId id="2147483684" r:id="rId1"/>
   </p:sldMasterIdLst>
   <p:sldIdLst>
     <p:sldId id="256" r:id="rId2"/>
@@ -14,7 +14,7 @@
     <p:sldId id="261" r:id="rId8"/>
     <p:sldId id="262" r:id="rId9"/>
   </p:sldIdLst>
-  <p:sldSz cx="9144000" cy="5715000" type="screen16x10"/>
+  <p:sldSz cx="10160000" cy="5715000"/>
   <p:notesSz cx="6858000" cy="9144000"/>
   <p:defaultTextStyle>
     <a:defPPr>
@@ -148,15 +148,15 @@
         </p:nvSpPr>
         <p:spPr>
           <a:xfrm>
-            <a:off x="1143000" y="935302"/>
-            <a:ext cx="6858000" cy="1989667"/>
+            <a:off x="1270000" y="935302"/>
+            <a:ext cx="7620000" cy="1989667"/>
           </a:xfrm>
         </p:spPr>
         <p:txBody>
           <a:bodyPr anchor="b"/>
           <a:lstStyle>
             <a:lvl1pPr algn="ctr">
-              <a:defRPr sz="4500"/>
+              <a:defRPr sz="5000"/>
             </a:lvl1pPr>
           </a:lstStyle>
           <a:p>
@@ -180,8 +180,8 @@
         </p:nvSpPr>
         <p:spPr>
           <a:xfrm>
-            <a:off x="1143000" y="3001698"/>
-            <a:ext cx="6858000" cy="1379802"/>
+            <a:off x="1270000" y="3001698"/>
+            <a:ext cx="7620000" cy="1379802"/>
           </a:xfrm>
         </p:spPr>
         <p:txBody>
@@ -189,39 +189,39 @@
           <a:lstStyle>
             <a:lvl1pPr marL="0" indent="0" algn="ctr">
               <a:buNone/>
-              <a:defRPr sz="1800"/>
+              <a:defRPr sz="2000"/>
             </a:lvl1pPr>
-            <a:lvl2pPr marL="342900" indent="0" algn="ctr">
+            <a:lvl2pPr marL="380985" indent="0" algn="ctr">
+              <a:buNone/>
+              <a:defRPr sz="1667"/>
+            </a:lvl2pPr>
+            <a:lvl3pPr marL="761970" indent="0" algn="ctr">
               <a:buNone/>
               <a:defRPr sz="1500"/>
-            </a:lvl2pPr>
-            <a:lvl3pPr marL="685800" indent="0" algn="ctr">
-              <a:buNone/>
-              <a:defRPr sz="1350"/>
             </a:lvl3pPr>
-            <a:lvl4pPr marL="1028700" indent="0" algn="ctr">
-              <a:buNone/>
-              <a:defRPr sz="1200"/>
+            <a:lvl4pPr marL="1142954" indent="0" algn="ctr">
+              <a:buNone/>
+              <a:defRPr sz="1333"/>
             </a:lvl4pPr>
-            <a:lvl5pPr marL="1371600" indent="0" algn="ctr">
-              <a:buNone/>
-              <a:defRPr sz="1200"/>
+            <a:lvl5pPr marL="1523939" indent="0" algn="ctr">
+              <a:buNone/>
+              <a:defRPr sz="1333"/>
             </a:lvl5pPr>
-            <a:lvl6pPr marL="1714500" indent="0" algn="ctr">
-              <a:buNone/>
-              <a:defRPr sz="1200"/>
+            <a:lvl6pPr marL="1904924" indent="0" algn="ctr">
+              <a:buNone/>
+              <a:defRPr sz="1333"/>
             </a:lvl6pPr>
-            <a:lvl7pPr marL="2057400" indent="0" algn="ctr">
-              <a:buNone/>
-              <a:defRPr sz="1200"/>
+            <a:lvl7pPr marL="2285909" indent="0" algn="ctr">
+              <a:buNone/>
+              <a:defRPr sz="1333"/>
             </a:lvl7pPr>
-            <a:lvl8pPr marL="2400300" indent="0" algn="ctr">
-              <a:buNone/>
-              <a:defRPr sz="1200"/>
+            <a:lvl8pPr marL="2666893" indent="0" algn="ctr">
+              <a:buNone/>
+              <a:defRPr sz="1333"/>
             </a:lvl8pPr>
-            <a:lvl9pPr marL="2743200" indent="0" algn="ctr">
-              <a:buNone/>
-              <a:defRPr sz="1200"/>
+            <a:lvl9pPr marL="3047878" indent="0" algn="ctr">
+              <a:buNone/>
+              <a:defRPr sz="1333"/>
             </a:lvl9pPr>
           </a:lstStyle>
           <a:p>
@@ -250,7 +250,7 @@
           <a:p>
             <a:fld id="{50DEE611-8BEF-4990-B4F5-91A0FAC492E5}" type="datetimeFigureOut">
               <a:rPr lang="es-VE" smtClean="0"/>
-              <a:t>22/2/2021</a:t>
+              <a:t>26/5/2023</a:t>
             </a:fld>
             <a:endParaRPr lang="es-VE" dirty="0"/>
           </a:p>
@@ -301,7 +301,7 @@
     </p:spTree>
     <p:extLst>
       <p:ext uri="{BB962C8B-B14F-4D97-AF65-F5344CB8AC3E}">
-        <p14:creationId xmlns:p14="http://schemas.microsoft.com/office/powerpoint/2010/main" val="415702217"/>
+        <p14:creationId xmlns:p14="http://schemas.microsoft.com/office/powerpoint/2010/main" val="346637054"/>
       </p:ext>
     </p:extLst>
   </p:cSld>
@@ -420,7 +420,7 @@
           <a:p>
             <a:fld id="{50DEE611-8BEF-4990-B4F5-91A0FAC492E5}" type="datetimeFigureOut">
               <a:rPr lang="es-VE" smtClean="0"/>
-              <a:t>22/2/2021</a:t>
+              <a:t>26/5/2023</a:t>
             </a:fld>
             <a:endParaRPr lang="es-VE" dirty="0"/>
           </a:p>
@@ -471,7 +471,7 @@
     </p:spTree>
     <p:extLst>
       <p:ext uri="{BB962C8B-B14F-4D97-AF65-F5344CB8AC3E}">
-        <p14:creationId xmlns:p14="http://schemas.microsoft.com/office/powerpoint/2010/main" val="3246863016"/>
+        <p14:creationId xmlns:p14="http://schemas.microsoft.com/office/powerpoint/2010/main" val="983066278"/>
       </p:ext>
     </p:extLst>
   </p:cSld>
@@ -510,8 +510,8 @@
         </p:nvSpPr>
         <p:spPr>
           <a:xfrm>
-            <a:off x="6543675" y="304271"/>
-            <a:ext cx="1971675" cy="4843198"/>
+            <a:off x="7270750" y="304271"/>
+            <a:ext cx="2190750" cy="4843198"/>
           </a:xfrm>
         </p:spPr>
         <p:txBody>
@@ -538,8 +538,8 @@
         </p:nvSpPr>
         <p:spPr>
           <a:xfrm>
-            <a:off x="628650" y="304271"/>
-            <a:ext cx="5800725" cy="4843198"/>
+            <a:off x="698500" y="304271"/>
+            <a:ext cx="6445250" cy="4843198"/>
           </a:xfrm>
         </p:spPr>
         <p:txBody>
@@ -600,7 +600,7 @@
           <a:p>
             <a:fld id="{50DEE611-8BEF-4990-B4F5-91A0FAC492E5}" type="datetimeFigureOut">
               <a:rPr lang="es-VE" smtClean="0"/>
-              <a:t>22/2/2021</a:t>
+              <a:t>26/5/2023</a:t>
             </a:fld>
             <a:endParaRPr lang="es-VE" dirty="0"/>
           </a:p>
@@ -651,7 +651,7 @@
     </p:spTree>
     <p:extLst>
       <p:ext uri="{BB962C8B-B14F-4D97-AF65-F5344CB8AC3E}">
-        <p14:creationId xmlns:p14="http://schemas.microsoft.com/office/powerpoint/2010/main" val="117500492"/>
+        <p14:creationId xmlns:p14="http://schemas.microsoft.com/office/powerpoint/2010/main" val="3754102923"/>
       </p:ext>
     </p:extLst>
   </p:cSld>
@@ -770,7 +770,7 @@
           <a:p>
             <a:fld id="{50DEE611-8BEF-4990-B4F5-91A0FAC492E5}" type="datetimeFigureOut">
               <a:rPr lang="es-VE" smtClean="0"/>
-              <a:t>22/2/2021</a:t>
+              <a:t>26/5/2023</a:t>
             </a:fld>
             <a:endParaRPr lang="es-VE" dirty="0"/>
           </a:p>
@@ -821,7 +821,7 @@
     </p:spTree>
     <p:extLst>
       <p:ext uri="{BB962C8B-B14F-4D97-AF65-F5344CB8AC3E}">
-        <p14:creationId xmlns:p14="http://schemas.microsoft.com/office/powerpoint/2010/main" val="932787524"/>
+        <p14:creationId xmlns:p14="http://schemas.microsoft.com/office/powerpoint/2010/main" val="1748664219"/>
       </p:ext>
     </p:extLst>
   </p:cSld>
@@ -860,15 +860,15 @@
         </p:nvSpPr>
         <p:spPr>
           <a:xfrm>
-            <a:off x="623888" y="1424782"/>
-            <a:ext cx="7886700" cy="2377281"/>
+            <a:off x="693208" y="1424782"/>
+            <a:ext cx="8763000" cy="2377281"/>
           </a:xfrm>
         </p:spPr>
         <p:txBody>
           <a:bodyPr anchor="b"/>
           <a:lstStyle>
             <a:lvl1pPr>
-              <a:defRPr sz="4500"/>
+              <a:defRPr sz="5000"/>
             </a:lvl1pPr>
           </a:lstStyle>
           <a:p>
@@ -892,8 +892,8 @@
         </p:nvSpPr>
         <p:spPr>
           <a:xfrm>
-            <a:off x="623888" y="3824553"/>
-            <a:ext cx="7886700" cy="1250156"/>
+            <a:off x="693208" y="3824553"/>
+            <a:ext cx="8763000" cy="1250156"/>
           </a:xfrm>
         </p:spPr>
         <p:txBody>
@@ -901,7 +901,7 @@
           <a:lstStyle>
             <a:lvl1pPr marL="0" indent="0">
               <a:buNone/>
-              <a:defRPr sz="1800">
+              <a:defRPr sz="2000">
                 <a:solidFill>
                   <a:schemeClr val="tx1">
                     <a:tint val="75000"/>
@@ -909,9 +909,9 @@
                 </a:solidFill>
               </a:defRPr>
             </a:lvl1pPr>
-            <a:lvl2pPr marL="342900" indent="0">
-              <a:buNone/>
-              <a:defRPr sz="1500">
+            <a:lvl2pPr marL="380985" indent="0">
+              <a:buNone/>
+              <a:defRPr sz="1667">
                 <a:solidFill>
                   <a:schemeClr val="tx1">
                     <a:tint val="75000"/>
@@ -919,9 +919,9 @@
                 </a:solidFill>
               </a:defRPr>
             </a:lvl2pPr>
-            <a:lvl3pPr marL="685800" indent="0">
-              <a:buNone/>
-              <a:defRPr sz="1350">
+            <a:lvl3pPr marL="761970" indent="0">
+              <a:buNone/>
+              <a:defRPr sz="1500">
                 <a:solidFill>
                   <a:schemeClr val="tx1">
                     <a:tint val="75000"/>
@@ -929,9 +929,9 @@
                 </a:solidFill>
               </a:defRPr>
             </a:lvl3pPr>
-            <a:lvl4pPr marL="1028700" indent="0">
-              <a:buNone/>
-              <a:defRPr sz="1200">
+            <a:lvl4pPr marL="1142954" indent="0">
+              <a:buNone/>
+              <a:defRPr sz="1333">
                 <a:solidFill>
                   <a:schemeClr val="tx1">
                     <a:tint val="75000"/>
@@ -939,9 +939,9 @@
                 </a:solidFill>
               </a:defRPr>
             </a:lvl4pPr>
-            <a:lvl5pPr marL="1371600" indent="0">
-              <a:buNone/>
-              <a:defRPr sz="1200">
+            <a:lvl5pPr marL="1523939" indent="0">
+              <a:buNone/>
+              <a:defRPr sz="1333">
                 <a:solidFill>
                   <a:schemeClr val="tx1">
                     <a:tint val="75000"/>
@@ -949,9 +949,9 @@
                 </a:solidFill>
               </a:defRPr>
             </a:lvl5pPr>
-            <a:lvl6pPr marL="1714500" indent="0">
-              <a:buNone/>
-              <a:defRPr sz="1200">
+            <a:lvl6pPr marL="1904924" indent="0">
+              <a:buNone/>
+              <a:defRPr sz="1333">
                 <a:solidFill>
                   <a:schemeClr val="tx1">
                     <a:tint val="75000"/>
@@ -959,9 +959,9 @@
                 </a:solidFill>
               </a:defRPr>
             </a:lvl6pPr>
-            <a:lvl7pPr marL="2057400" indent="0">
-              <a:buNone/>
-              <a:defRPr sz="1200">
+            <a:lvl7pPr marL="2285909" indent="0">
+              <a:buNone/>
+              <a:defRPr sz="1333">
                 <a:solidFill>
                   <a:schemeClr val="tx1">
                     <a:tint val="75000"/>
@@ -969,9 +969,9 @@
                 </a:solidFill>
               </a:defRPr>
             </a:lvl7pPr>
-            <a:lvl8pPr marL="2400300" indent="0">
-              <a:buNone/>
-              <a:defRPr sz="1200">
+            <a:lvl8pPr marL="2666893" indent="0">
+              <a:buNone/>
+              <a:defRPr sz="1333">
                 <a:solidFill>
                   <a:schemeClr val="tx1">
                     <a:tint val="75000"/>
@@ -979,9 +979,9 @@
                 </a:solidFill>
               </a:defRPr>
             </a:lvl8pPr>
-            <a:lvl9pPr marL="2743200" indent="0">
-              <a:buNone/>
-              <a:defRPr sz="1200">
+            <a:lvl9pPr marL="3047878" indent="0">
+              <a:buNone/>
+              <a:defRPr sz="1333">
                 <a:solidFill>
                   <a:schemeClr val="tx1">
                     <a:tint val="75000"/>
@@ -1016,7 +1016,7 @@
           <a:p>
             <a:fld id="{50DEE611-8BEF-4990-B4F5-91A0FAC492E5}" type="datetimeFigureOut">
               <a:rPr lang="es-VE" smtClean="0"/>
-              <a:t>22/2/2021</a:t>
+              <a:t>26/5/2023</a:t>
             </a:fld>
             <a:endParaRPr lang="es-VE" dirty="0"/>
           </a:p>
@@ -1067,7 +1067,7 @@
     </p:spTree>
     <p:extLst>
       <p:ext uri="{BB962C8B-B14F-4D97-AF65-F5344CB8AC3E}">
-        <p14:creationId xmlns:p14="http://schemas.microsoft.com/office/powerpoint/2010/main" val="1341747746"/>
+        <p14:creationId xmlns:p14="http://schemas.microsoft.com/office/powerpoint/2010/main" val="1902766326"/>
       </p:ext>
     </p:extLst>
   </p:cSld>
@@ -1129,8 +1129,8 @@
         </p:nvSpPr>
         <p:spPr>
           <a:xfrm>
-            <a:off x="628650" y="1521354"/>
-            <a:ext cx="3886200" cy="3626115"/>
+            <a:off x="698500" y="1521354"/>
+            <a:ext cx="4318000" cy="3626115"/>
           </a:xfrm>
         </p:spPr>
         <p:txBody>
@@ -1186,8 +1186,8 @@
         </p:nvSpPr>
         <p:spPr>
           <a:xfrm>
-            <a:off x="4629150" y="1521354"/>
-            <a:ext cx="3886200" cy="3626115"/>
+            <a:off x="5143500" y="1521354"/>
+            <a:ext cx="4318000" cy="3626115"/>
           </a:xfrm>
         </p:spPr>
         <p:txBody>
@@ -1248,7 +1248,7 @@
           <a:p>
             <a:fld id="{50DEE611-8BEF-4990-B4F5-91A0FAC492E5}" type="datetimeFigureOut">
               <a:rPr lang="es-VE" smtClean="0"/>
-              <a:t>22/2/2021</a:t>
+              <a:t>26/5/2023</a:t>
             </a:fld>
             <a:endParaRPr lang="es-VE" dirty="0"/>
           </a:p>
@@ -1299,7 +1299,7 @@
     </p:spTree>
     <p:extLst>
       <p:ext uri="{BB962C8B-B14F-4D97-AF65-F5344CB8AC3E}">
-        <p14:creationId xmlns:p14="http://schemas.microsoft.com/office/powerpoint/2010/main" val="3451407315"/>
+        <p14:creationId xmlns:p14="http://schemas.microsoft.com/office/powerpoint/2010/main" val="965171941"/>
       </p:ext>
     </p:extLst>
   </p:cSld>
@@ -1338,8 +1338,8 @@
         </p:nvSpPr>
         <p:spPr>
           <a:xfrm>
-            <a:off x="629841" y="304271"/>
-            <a:ext cx="7886700" cy="1104636"/>
+            <a:off x="699823" y="304271"/>
+            <a:ext cx="8763000" cy="1104636"/>
           </a:xfrm>
         </p:spPr>
         <p:txBody>
@@ -1366,8 +1366,8 @@
         </p:nvSpPr>
         <p:spPr>
           <a:xfrm>
-            <a:off x="629842" y="1400969"/>
-            <a:ext cx="3868340" cy="686593"/>
+            <a:off x="699824" y="1400969"/>
+            <a:ext cx="4298156" cy="686593"/>
           </a:xfrm>
         </p:spPr>
         <p:txBody>
@@ -1375,39 +1375,39 @@
           <a:lstStyle>
             <a:lvl1pPr marL="0" indent="0">
               <a:buNone/>
-              <a:defRPr sz="1800" b="1"/>
+              <a:defRPr sz="2000" b="1"/>
             </a:lvl1pPr>
-            <a:lvl2pPr marL="342900" indent="0">
+            <a:lvl2pPr marL="380985" indent="0">
+              <a:buNone/>
+              <a:defRPr sz="1667" b="1"/>
+            </a:lvl2pPr>
+            <a:lvl3pPr marL="761970" indent="0">
               <a:buNone/>
               <a:defRPr sz="1500" b="1"/>
-            </a:lvl2pPr>
-            <a:lvl3pPr marL="685800" indent="0">
-              <a:buNone/>
-              <a:defRPr sz="1350" b="1"/>
             </a:lvl3pPr>
-            <a:lvl4pPr marL="1028700" indent="0">
-              <a:buNone/>
-              <a:defRPr sz="1200" b="1"/>
+            <a:lvl4pPr marL="1142954" indent="0">
+              <a:buNone/>
+              <a:defRPr sz="1333" b="1"/>
             </a:lvl4pPr>
-            <a:lvl5pPr marL="1371600" indent="0">
-              <a:buNone/>
-              <a:defRPr sz="1200" b="1"/>
+            <a:lvl5pPr marL="1523939" indent="0">
+              <a:buNone/>
+              <a:defRPr sz="1333" b="1"/>
             </a:lvl5pPr>
-            <a:lvl6pPr marL="1714500" indent="0">
-              <a:buNone/>
-              <a:defRPr sz="1200" b="1"/>
+            <a:lvl6pPr marL="1904924" indent="0">
+              <a:buNone/>
+              <a:defRPr sz="1333" b="1"/>
             </a:lvl6pPr>
-            <a:lvl7pPr marL="2057400" indent="0">
-              <a:buNone/>
-              <a:defRPr sz="1200" b="1"/>
+            <a:lvl7pPr marL="2285909" indent="0">
+              <a:buNone/>
+              <a:defRPr sz="1333" b="1"/>
             </a:lvl7pPr>
-            <a:lvl8pPr marL="2400300" indent="0">
-              <a:buNone/>
-              <a:defRPr sz="1200" b="1"/>
+            <a:lvl8pPr marL="2666893" indent="0">
+              <a:buNone/>
+              <a:defRPr sz="1333" b="1"/>
             </a:lvl8pPr>
-            <a:lvl9pPr marL="2743200" indent="0">
-              <a:buNone/>
-              <a:defRPr sz="1200" b="1"/>
+            <a:lvl9pPr marL="3047878" indent="0">
+              <a:buNone/>
+              <a:defRPr sz="1333" b="1"/>
             </a:lvl9pPr>
           </a:lstStyle>
           <a:p>
@@ -1431,8 +1431,8 @@
         </p:nvSpPr>
         <p:spPr>
           <a:xfrm>
-            <a:off x="629842" y="2087563"/>
-            <a:ext cx="3868340" cy="3070490"/>
+            <a:off x="699824" y="2087563"/>
+            <a:ext cx="4298156" cy="3070490"/>
           </a:xfrm>
         </p:spPr>
         <p:txBody>
@@ -1488,8 +1488,8 @@
         </p:nvSpPr>
         <p:spPr>
           <a:xfrm>
-            <a:off x="4629150" y="1400969"/>
-            <a:ext cx="3887391" cy="686593"/>
+            <a:off x="5143500" y="1400969"/>
+            <a:ext cx="4319323" cy="686593"/>
           </a:xfrm>
         </p:spPr>
         <p:txBody>
@@ -1497,39 +1497,39 @@
           <a:lstStyle>
             <a:lvl1pPr marL="0" indent="0">
               <a:buNone/>
-              <a:defRPr sz="1800" b="1"/>
+              <a:defRPr sz="2000" b="1"/>
             </a:lvl1pPr>
-            <a:lvl2pPr marL="342900" indent="0">
+            <a:lvl2pPr marL="380985" indent="0">
+              <a:buNone/>
+              <a:defRPr sz="1667" b="1"/>
+            </a:lvl2pPr>
+            <a:lvl3pPr marL="761970" indent="0">
               <a:buNone/>
               <a:defRPr sz="1500" b="1"/>
-            </a:lvl2pPr>
-            <a:lvl3pPr marL="685800" indent="0">
-              <a:buNone/>
-              <a:defRPr sz="1350" b="1"/>
             </a:lvl3pPr>
-            <a:lvl4pPr marL="1028700" indent="0">
-              <a:buNone/>
-              <a:defRPr sz="1200" b="1"/>
+            <a:lvl4pPr marL="1142954" indent="0">
+              <a:buNone/>
+              <a:defRPr sz="1333" b="1"/>
             </a:lvl4pPr>
-            <a:lvl5pPr marL="1371600" indent="0">
-              <a:buNone/>
-              <a:defRPr sz="1200" b="1"/>
+            <a:lvl5pPr marL="1523939" indent="0">
+              <a:buNone/>
+              <a:defRPr sz="1333" b="1"/>
             </a:lvl5pPr>
-            <a:lvl6pPr marL="1714500" indent="0">
-              <a:buNone/>
-              <a:defRPr sz="1200" b="1"/>
+            <a:lvl6pPr marL="1904924" indent="0">
+              <a:buNone/>
+              <a:defRPr sz="1333" b="1"/>
             </a:lvl6pPr>
-            <a:lvl7pPr marL="2057400" indent="0">
-              <a:buNone/>
-              <a:defRPr sz="1200" b="1"/>
+            <a:lvl7pPr marL="2285909" indent="0">
+              <a:buNone/>
+              <a:defRPr sz="1333" b="1"/>
             </a:lvl7pPr>
-            <a:lvl8pPr marL="2400300" indent="0">
-              <a:buNone/>
-              <a:defRPr sz="1200" b="1"/>
+            <a:lvl8pPr marL="2666893" indent="0">
+              <a:buNone/>
+              <a:defRPr sz="1333" b="1"/>
             </a:lvl8pPr>
-            <a:lvl9pPr marL="2743200" indent="0">
-              <a:buNone/>
-              <a:defRPr sz="1200" b="1"/>
+            <a:lvl9pPr marL="3047878" indent="0">
+              <a:buNone/>
+              <a:defRPr sz="1333" b="1"/>
             </a:lvl9pPr>
           </a:lstStyle>
           <a:p>
@@ -1553,8 +1553,8 @@
         </p:nvSpPr>
         <p:spPr>
           <a:xfrm>
-            <a:off x="4629150" y="2087563"/>
-            <a:ext cx="3887391" cy="3070490"/>
+            <a:off x="5143500" y="2087563"/>
+            <a:ext cx="4319323" cy="3070490"/>
           </a:xfrm>
         </p:spPr>
         <p:txBody>
@@ -1615,7 +1615,7 @@
           <a:p>
             <a:fld id="{50DEE611-8BEF-4990-B4F5-91A0FAC492E5}" type="datetimeFigureOut">
               <a:rPr lang="es-VE" smtClean="0"/>
-              <a:t>22/2/2021</a:t>
+              <a:t>26/5/2023</a:t>
             </a:fld>
             <a:endParaRPr lang="es-VE" dirty="0"/>
           </a:p>
@@ -1666,7 +1666,7 @@
     </p:spTree>
     <p:extLst>
       <p:ext uri="{BB962C8B-B14F-4D97-AF65-F5344CB8AC3E}">
-        <p14:creationId xmlns:p14="http://schemas.microsoft.com/office/powerpoint/2010/main" val="1933828883"/>
+        <p14:creationId xmlns:p14="http://schemas.microsoft.com/office/powerpoint/2010/main" val="1646326778"/>
       </p:ext>
     </p:extLst>
   </p:cSld>
@@ -1733,7 +1733,7 @@
           <a:p>
             <a:fld id="{50DEE611-8BEF-4990-B4F5-91A0FAC492E5}" type="datetimeFigureOut">
               <a:rPr lang="es-VE" smtClean="0"/>
-              <a:t>22/2/2021</a:t>
+              <a:t>26/5/2023</a:t>
             </a:fld>
             <a:endParaRPr lang="es-VE" dirty="0"/>
           </a:p>
@@ -1784,7 +1784,7 @@
     </p:spTree>
     <p:extLst>
       <p:ext uri="{BB962C8B-B14F-4D97-AF65-F5344CB8AC3E}">
-        <p14:creationId xmlns:p14="http://schemas.microsoft.com/office/powerpoint/2010/main" val="564159855"/>
+        <p14:creationId xmlns:p14="http://schemas.microsoft.com/office/powerpoint/2010/main" val="3083825280"/>
       </p:ext>
     </p:extLst>
   </p:cSld>
@@ -1828,7 +1828,7 @@
           <a:p>
             <a:fld id="{50DEE611-8BEF-4990-B4F5-91A0FAC492E5}" type="datetimeFigureOut">
               <a:rPr lang="es-VE" smtClean="0"/>
-              <a:t>22/2/2021</a:t>
+              <a:t>26/5/2023</a:t>
             </a:fld>
             <a:endParaRPr lang="es-VE" dirty="0"/>
           </a:p>
@@ -1879,7 +1879,7 @@
     </p:spTree>
     <p:extLst>
       <p:ext uri="{BB962C8B-B14F-4D97-AF65-F5344CB8AC3E}">
-        <p14:creationId xmlns:p14="http://schemas.microsoft.com/office/powerpoint/2010/main" val="1236686754"/>
+        <p14:creationId xmlns:p14="http://schemas.microsoft.com/office/powerpoint/2010/main" val="916544468"/>
       </p:ext>
     </p:extLst>
   </p:cSld>
@@ -1918,15 +1918,15 @@
         </p:nvSpPr>
         <p:spPr>
           <a:xfrm>
-            <a:off x="629841" y="381000"/>
-            <a:ext cx="2949178" cy="1333500"/>
+            <a:off x="699824" y="381000"/>
+            <a:ext cx="3276864" cy="1333500"/>
           </a:xfrm>
         </p:spPr>
         <p:txBody>
           <a:bodyPr anchor="b"/>
           <a:lstStyle>
             <a:lvl1pPr>
-              <a:defRPr sz="2400"/>
+              <a:defRPr sz="2667"/>
             </a:lvl1pPr>
           </a:lstStyle>
           <a:p>
@@ -1950,39 +1950,39 @@
         </p:nvSpPr>
         <p:spPr>
           <a:xfrm>
-            <a:off x="3887391" y="822855"/>
-            <a:ext cx="4629150" cy="4061354"/>
+            <a:off x="4319323" y="822855"/>
+            <a:ext cx="5143500" cy="4061354"/>
           </a:xfrm>
         </p:spPr>
         <p:txBody>
           <a:bodyPr/>
           <a:lstStyle>
             <a:lvl1pPr>
-              <a:defRPr sz="2400"/>
+              <a:defRPr sz="2667"/>
             </a:lvl1pPr>
             <a:lvl2pPr>
-              <a:defRPr sz="2100"/>
+              <a:defRPr sz="2333"/>
             </a:lvl2pPr>
             <a:lvl3pPr>
-              <a:defRPr sz="1800"/>
+              <a:defRPr sz="2000"/>
             </a:lvl3pPr>
             <a:lvl4pPr>
-              <a:defRPr sz="1500"/>
+              <a:defRPr sz="1667"/>
             </a:lvl4pPr>
             <a:lvl5pPr>
-              <a:defRPr sz="1500"/>
+              <a:defRPr sz="1667"/>
             </a:lvl5pPr>
             <a:lvl6pPr>
-              <a:defRPr sz="1500"/>
+              <a:defRPr sz="1667"/>
             </a:lvl6pPr>
             <a:lvl7pPr>
-              <a:defRPr sz="1500"/>
+              <a:defRPr sz="1667"/>
             </a:lvl7pPr>
             <a:lvl8pPr>
-              <a:defRPr sz="1500"/>
+              <a:defRPr sz="1667"/>
             </a:lvl8pPr>
             <a:lvl9pPr>
-              <a:defRPr sz="1500"/>
+              <a:defRPr sz="1667"/>
             </a:lvl9pPr>
           </a:lstStyle>
           <a:p>
@@ -2035,8 +2035,8 @@
         </p:nvSpPr>
         <p:spPr>
           <a:xfrm>
-            <a:off x="629841" y="1714500"/>
-            <a:ext cx="2949178" cy="3176323"/>
+            <a:off x="699824" y="1714500"/>
+            <a:ext cx="3276864" cy="3176323"/>
           </a:xfrm>
         </p:spPr>
         <p:txBody>
@@ -2044,39 +2044,39 @@
           <a:lstStyle>
             <a:lvl1pPr marL="0" indent="0">
               <a:buNone/>
-              <a:defRPr sz="1200"/>
+              <a:defRPr sz="1333"/>
             </a:lvl1pPr>
-            <a:lvl2pPr marL="342900" indent="0">
-              <a:buNone/>
-              <a:defRPr sz="1050"/>
+            <a:lvl2pPr marL="380985" indent="0">
+              <a:buNone/>
+              <a:defRPr sz="1167"/>
             </a:lvl2pPr>
-            <a:lvl3pPr marL="685800" indent="0">
-              <a:buNone/>
-              <a:defRPr sz="900"/>
+            <a:lvl3pPr marL="761970" indent="0">
+              <a:buNone/>
+              <a:defRPr sz="1000"/>
             </a:lvl3pPr>
-            <a:lvl4pPr marL="1028700" indent="0">
-              <a:buNone/>
-              <a:defRPr sz="750"/>
+            <a:lvl4pPr marL="1142954" indent="0">
+              <a:buNone/>
+              <a:defRPr sz="833"/>
             </a:lvl4pPr>
-            <a:lvl5pPr marL="1371600" indent="0">
-              <a:buNone/>
-              <a:defRPr sz="750"/>
+            <a:lvl5pPr marL="1523939" indent="0">
+              <a:buNone/>
+              <a:defRPr sz="833"/>
             </a:lvl5pPr>
-            <a:lvl6pPr marL="1714500" indent="0">
-              <a:buNone/>
-              <a:defRPr sz="750"/>
+            <a:lvl6pPr marL="1904924" indent="0">
+              <a:buNone/>
+              <a:defRPr sz="833"/>
             </a:lvl6pPr>
-            <a:lvl7pPr marL="2057400" indent="0">
-              <a:buNone/>
-              <a:defRPr sz="750"/>
+            <a:lvl7pPr marL="2285909" indent="0">
+              <a:buNone/>
+              <a:defRPr sz="833"/>
             </a:lvl7pPr>
-            <a:lvl8pPr marL="2400300" indent="0">
-              <a:buNone/>
-              <a:defRPr sz="750"/>
+            <a:lvl8pPr marL="2666893" indent="0">
+              <a:buNone/>
+              <a:defRPr sz="833"/>
             </a:lvl8pPr>
-            <a:lvl9pPr marL="2743200" indent="0">
-              <a:buNone/>
-              <a:defRPr sz="750"/>
+            <a:lvl9pPr marL="3047878" indent="0">
+              <a:buNone/>
+              <a:defRPr sz="833"/>
             </a:lvl9pPr>
           </a:lstStyle>
           <a:p>
@@ -2105,7 +2105,7 @@
           <a:p>
             <a:fld id="{50DEE611-8BEF-4990-B4F5-91A0FAC492E5}" type="datetimeFigureOut">
               <a:rPr lang="es-VE" smtClean="0"/>
-              <a:t>22/2/2021</a:t>
+              <a:t>26/5/2023</a:t>
             </a:fld>
             <a:endParaRPr lang="es-VE" dirty="0"/>
           </a:p>
@@ -2156,7 +2156,7 @@
     </p:spTree>
     <p:extLst>
       <p:ext uri="{BB962C8B-B14F-4D97-AF65-F5344CB8AC3E}">
-        <p14:creationId xmlns:p14="http://schemas.microsoft.com/office/powerpoint/2010/main" val="214519182"/>
+        <p14:creationId xmlns:p14="http://schemas.microsoft.com/office/powerpoint/2010/main" val="1174879636"/>
       </p:ext>
     </p:extLst>
   </p:cSld>
@@ -2195,15 +2195,15 @@
         </p:nvSpPr>
         <p:spPr>
           <a:xfrm>
-            <a:off x="629841" y="381000"/>
-            <a:ext cx="2949178" cy="1333500"/>
+            <a:off x="699824" y="381000"/>
+            <a:ext cx="3276864" cy="1333500"/>
           </a:xfrm>
         </p:spPr>
         <p:txBody>
           <a:bodyPr anchor="b"/>
           <a:lstStyle>
             <a:lvl1pPr>
-              <a:defRPr sz="2400"/>
+              <a:defRPr sz="2667"/>
             </a:lvl1pPr>
           </a:lstStyle>
           <a:p>
@@ -2227,8 +2227,8 @@
         </p:nvSpPr>
         <p:spPr>
           <a:xfrm>
-            <a:off x="3887391" y="822855"/>
-            <a:ext cx="4629150" cy="4061354"/>
+            <a:off x="4319323" y="822855"/>
+            <a:ext cx="5143500" cy="4061354"/>
           </a:xfrm>
         </p:spPr>
         <p:txBody>
@@ -2236,44 +2236,44 @@
           <a:lstStyle>
             <a:lvl1pPr marL="0" indent="0">
               <a:buNone/>
-              <a:defRPr sz="2400"/>
+              <a:defRPr sz="2667"/>
             </a:lvl1pPr>
-            <a:lvl2pPr marL="342900" indent="0">
-              <a:buNone/>
-              <a:defRPr sz="2100"/>
+            <a:lvl2pPr marL="380985" indent="0">
+              <a:buNone/>
+              <a:defRPr sz="2333"/>
             </a:lvl2pPr>
-            <a:lvl3pPr marL="685800" indent="0">
-              <a:buNone/>
-              <a:defRPr sz="1800"/>
+            <a:lvl3pPr marL="761970" indent="0">
+              <a:buNone/>
+              <a:defRPr sz="2000"/>
             </a:lvl3pPr>
-            <a:lvl4pPr marL="1028700" indent="0">
-              <a:buNone/>
-              <a:defRPr sz="1500"/>
+            <a:lvl4pPr marL="1142954" indent="0">
+              <a:buNone/>
+              <a:defRPr sz="1667"/>
             </a:lvl4pPr>
-            <a:lvl5pPr marL="1371600" indent="0">
-              <a:buNone/>
-              <a:defRPr sz="1500"/>
+            <a:lvl5pPr marL="1523939" indent="0">
+              <a:buNone/>
+              <a:defRPr sz="1667"/>
             </a:lvl5pPr>
-            <a:lvl6pPr marL="1714500" indent="0">
-              <a:buNone/>
-              <a:defRPr sz="1500"/>
+            <a:lvl6pPr marL="1904924" indent="0">
+              <a:buNone/>
+              <a:defRPr sz="1667"/>
             </a:lvl6pPr>
-            <a:lvl7pPr marL="2057400" indent="0">
-              <a:buNone/>
-              <a:defRPr sz="1500"/>
+            <a:lvl7pPr marL="2285909" indent="0">
+              <a:buNone/>
+              <a:defRPr sz="1667"/>
             </a:lvl7pPr>
-            <a:lvl8pPr marL="2400300" indent="0">
-              <a:buNone/>
-              <a:defRPr sz="1500"/>
+            <a:lvl8pPr marL="2666893" indent="0">
+              <a:buNone/>
+              <a:defRPr sz="1667"/>
             </a:lvl8pPr>
-            <a:lvl9pPr marL="2743200" indent="0">
-              <a:buNone/>
-              <a:defRPr sz="1500"/>
+            <a:lvl9pPr marL="3047878" indent="0">
+              <a:buNone/>
+              <a:defRPr sz="1667"/>
             </a:lvl9pPr>
           </a:lstStyle>
           <a:p>
             <a:r>
-              <a:rPr lang="es-ES" dirty="0"/>
+              <a:rPr lang="es-ES"/>
               <a:t>Haga clic en el icono para agregar una imagen</a:t>
             </a:r>
             <a:endParaRPr lang="en-US" dirty="0"/>
@@ -2292,8 +2292,8 @@
         </p:nvSpPr>
         <p:spPr>
           <a:xfrm>
-            <a:off x="629841" y="1714500"/>
-            <a:ext cx="2949178" cy="3176323"/>
+            <a:off x="699824" y="1714500"/>
+            <a:ext cx="3276864" cy="3176323"/>
           </a:xfrm>
         </p:spPr>
         <p:txBody>
@@ -2301,39 +2301,39 @@
           <a:lstStyle>
             <a:lvl1pPr marL="0" indent="0">
               <a:buNone/>
-              <a:defRPr sz="1200"/>
+              <a:defRPr sz="1333"/>
             </a:lvl1pPr>
-            <a:lvl2pPr marL="342900" indent="0">
-              <a:buNone/>
-              <a:defRPr sz="1050"/>
+            <a:lvl2pPr marL="380985" indent="0">
+              <a:buNone/>
+              <a:defRPr sz="1167"/>
             </a:lvl2pPr>
-            <a:lvl3pPr marL="685800" indent="0">
-              <a:buNone/>
-              <a:defRPr sz="900"/>
+            <a:lvl3pPr marL="761970" indent="0">
+              <a:buNone/>
+              <a:defRPr sz="1000"/>
             </a:lvl3pPr>
-            <a:lvl4pPr marL="1028700" indent="0">
-              <a:buNone/>
-              <a:defRPr sz="750"/>
+            <a:lvl4pPr marL="1142954" indent="0">
+              <a:buNone/>
+              <a:defRPr sz="833"/>
             </a:lvl4pPr>
-            <a:lvl5pPr marL="1371600" indent="0">
-              <a:buNone/>
-              <a:defRPr sz="750"/>
+            <a:lvl5pPr marL="1523939" indent="0">
+              <a:buNone/>
+              <a:defRPr sz="833"/>
             </a:lvl5pPr>
-            <a:lvl6pPr marL="1714500" indent="0">
-              <a:buNone/>
-              <a:defRPr sz="750"/>
+            <a:lvl6pPr marL="1904924" indent="0">
+              <a:buNone/>
+              <a:defRPr sz="833"/>
             </a:lvl6pPr>
-            <a:lvl7pPr marL="2057400" indent="0">
-              <a:buNone/>
-              <a:defRPr sz="750"/>
+            <a:lvl7pPr marL="2285909" indent="0">
+              <a:buNone/>
+              <a:defRPr sz="833"/>
             </a:lvl7pPr>
-            <a:lvl8pPr marL="2400300" indent="0">
-              <a:buNone/>
-              <a:defRPr sz="750"/>
+            <a:lvl8pPr marL="2666893" indent="0">
+              <a:buNone/>
+              <a:defRPr sz="833"/>
             </a:lvl8pPr>
-            <a:lvl9pPr marL="2743200" indent="0">
-              <a:buNone/>
-              <a:defRPr sz="750"/>
+            <a:lvl9pPr marL="3047878" indent="0">
+              <a:buNone/>
+              <a:defRPr sz="833"/>
             </a:lvl9pPr>
           </a:lstStyle>
           <a:p>
@@ -2362,7 +2362,7 @@
           <a:p>
             <a:fld id="{50DEE611-8BEF-4990-B4F5-91A0FAC492E5}" type="datetimeFigureOut">
               <a:rPr lang="es-VE" smtClean="0"/>
-              <a:t>22/2/2021</a:t>
+              <a:t>26/5/2023</a:t>
             </a:fld>
             <a:endParaRPr lang="es-VE" dirty="0"/>
           </a:p>
@@ -2413,7 +2413,7 @@
     </p:spTree>
     <p:extLst>
       <p:ext uri="{BB962C8B-B14F-4D97-AF65-F5344CB8AC3E}">
-        <p14:creationId xmlns:p14="http://schemas.microsoft.com/office/powerpoint/2010/main" val="2589174267"/>
+        <p14:creationId xmlns:p14="http://schemas.microsoft.com/office/powerpoint/2010/main" val="114846477"/>
       </p:ext>
     </p:extLst>
   </p:cSld>
@@ -2427,9 +2427,37 @@
 <p:sldMaster xmlns:a="http://schemas.openxmlformats.org/drawingml/2006/main" xmlns:r="http://schemas.openxmlformats.org/officeDocument/2006/relationships" xmlns:p="http://schemas.openxmlformats.org/presentationml/2006/main">
   <p:cSld>
     <p:bg>
-      <p:bgRef idx="1001">
-        <a:schemeClr val="bg1"/>
-      </p:bgRef>
+      <p:bgPr>
+        <a:gradFill flip="none" rotWithShape="1">
+          <a:gsLst>
+            <a:gs pos="0">
+              <a:schemeClr val="accent4">
+                <a:lumMod val="89000"/>
+              </a:schemeClr>
+            </a:gs>
+            <a:gs pos="23000">
+              <a:schemeClr val="accent4">
+                <a:lumMod val="89000"/>
+              </a:schemeClr>
+            </a:gs>
+            <a:gs pos="69000">
+              <a:schemeClr val="accent4">
+                <a:lumMod val="75000"/>
+              </a:schemeClr>
+            </a:gs>
+            <a:gs pos="97000">
+              <a:schemeClr val="accent4">
+                <a:lumMod val="70000"/>
+              </a:schemeClr>
+            </a:gs>
+          </a:gsLst>
+          <a:path path="circle">
+            <a:fillToRect l="50000" t="50000" r="50000" b="50000"/>
+          </a:path>
+          <a:tileRect/>
+        </a:gradFill>
+        <a:effectLst/>
+      </p:bgPr>
     </p:bg>
     <p:spTree>
       <p:nvGrpSpPr>
@@ -2457,8 +2485,8 @@
         </p:nvSpPr>
         <p:spPr>
           <a:xfrm>
-            <a:off x="628650" y="304271"/>
-            <a:ext cx="7886700" cy="1104636"/>
+            <a:off x="698500" y="304271"/>
+            <a:ext cx="8763000" cy="1104636"/>
           </a:xfrm>
           <a:prstGeom prst="rect">
             <a:avLst/>
@@ -2490,8 +2518,8 @@
         </p:nvSpPr>
         <p:spPr>
           <a:xfrm>
-            <a:off x="628650" y="1521354"/>
-            <a:ext cx="7886700" cy="3626115"/>
+            <a:off x="698500" y="1521354"/>
+            <a:ext cx="8763000" cy="3626115"/>
           </a:xfrm>
           <a:prstGeom prst="rect">
             <a:avLst/>
@@ -2552,8 +2580,8 @@
         </p:nvSpPr>
         <p:spPr>
           <a:xfrm>
-            <a:off x="628650" y="5296959"/>
-            <a:ext cx="2057400" cy="304271"/>
+            <a:off x="698500" y="5296959"/>
+            <a:ext cx="2286000" cy="304271"/>
           </a:xfrm>
           <a:prstGeom prst="rect">
             <a:avLst/>
@@ -2563,7 +2591,7 @@
           <a:bodyPr vert="horz" lIns="91440" tIns="45720" rIns="91440" bIns="45720" rtlCol="0" anchor="ctr"/>
           <a:lstStyle>
             <a:lvl1pPr algn="l">
-              <a:defRPr sz="900">
+              <a:defRPr sz="1000">
                 <a:solidFill>
                   <a:schemeClr val="tx1">
                     <a:tint val="75000"/>
@@ -2575,7 +2603,7 @@
           <a:p>
             <a:fld id="{50DEE611-8BEF-4990-B4F5-91A0FAC492E5}" type="datetimeFigureOut">
               <a:rPr lang="es-VE" smtClean="0"/>
-              <a:t>22/2/2021</a:t>
+              <a:t>26/5/2023</a:t>
             </a:fld>
             <a:endParaRPr lang="es-VE" dirty="0"/>
           </a:p>
@@ -2593,8 +2621,8 @@
         </p:nvSpPr>
         <p:spPr>
           <a:xfrm>
-            <a:off x="3028950" y="5296959"/>
-            <a:ext cx="3086100" cy="304271"/>
+            <a:off x="3365500" y="5296959"/>
+            <a:ext cx="3429000" cy="304271"/>
           </a:xfrm>
           <a:prstGeom prst="rect">
             <a:avLst/>
@@ -2604,7 +2632,7 @@
           <a:bodyPr vert="horz" lIns="91440" tIns="45720" rIns="91440" bIns="45720" rtlCol="0" anchor="ctr"/>
           <a:lstStyle>
             <a:lvl1pPr algn="ctr">
-              <a:defRPr sz="900">
+              <a:defRPr sz="1000">
                 <a:solidFill>
                   <a:schemeClr val="tx1">
                     <a:tint val="75000"/>
@@ -2630,8 +2658,8 @@
         </p:nvSpPr>
         <p:spPr>
           <a:xfrm>
-            <a:off x="6457950" y="5296959"/>
-            <a:ext cx="2057400" cy="304271"/>
+            <a:off x="7175500" y="5296959"/>
+            <a:ext cx="2286000" cy="304271"/>
           </a:xfrm>
           <a:prstGeom prst="rect">
             <a:avLst/>
@@ -2641,7 +2669,7 @@
           <a:bodyPr vert="horz" lIns="91440" tIns="45720" rIns="91440" bIns="45720" rtlCol="0" anchor="ctr"/>
           <a:lstStyle>
             <a:lvl1pPr algn="r">
-              <a:defRPr sz="900">
+              <a:defRPr sz="1000">
                 <a:solidFill>
                   <a:schemeClr val="tx1">
                     <a:tint val="75000"/>
@@ -2662,27 +2690,27 @@
     </p:spTree>
     <p:extLst>
       <p:ext uri="{BB962C8B-B14F-4D97-AF65-F5344CB8AC3E}">
-        <p14:creationId xmlns:p14="http://schemas.microsoft.com/office/powerpoint/2010/main" val="3947717685"/>
+        <p14:creationId xmlns:p14="http://schemas.microsoft.com/office/powerpoint/2010/main" val="1142503113"/>
       </p:ext>
     </p:extLst>
   </p:cSld>
   <p:clrMap bg1="dk1" tx1="lt1" bg2="dk2" tx2="lt2" accent1="accent1" accent2="accent2" accent3="accent3" accent4="accent4" accent5="accent5" accent6="accent6" hlink="hlink" folHlink="folHlink"/>
   <p:sldLayoutIdLst>
-    <p:sldLayoutId id="2147483673" r:id="rId1"/>
-    <p:sldLayoutId id="2147483674" r:id="rId2"/>
-    <p:sldLayoutId id="2147483675" r:id="rId3"/>
-    <p:sldLayoutId id="2147483676" r:id="rId4"/>
-    <p:sldLayoutId id="2147483677" r:id="rId5"/>
-    <p:sldLayoutId id="2147483678" r:id="rId6"/>
-    <p:sldLayoutId id="2147483679" r:id="rId7"/>
-    <p:sldLayoutId id="2147483680" r:id="rId8"/>
-    <p:sldLayoutId id="2147483681" r:id="rId9"/>
-    <p:sldLayoutId id="2147483682" r:id="rId10"/>
-    <p:sldLayoutId id="2147483683" r:id="rId11"/>
+    <p:sldLayoutId id="2147483685" r:id="rId1"/>
+    <p:sldLayoutId id="2147483686" r:id="rId2"/>
+    <p:sldLayoutId id="2147483687" r:id="rId3"/>
+    <p:sldLayoutId id="2147483688" r:id="rId4"/>
+    <p:sldLayoutId id="2147483689" r:id="rId5"/>
+    <p:sldLayoutId id="2147483690" r:id="rId6"/>
+    <p:sldLayoutId id="2147483691" r:id="rId7"/>
+    <p:sldLayoutId id="2147483692" r:id="rId8"/>
+    <p:sldLayoutId id="2147483693" r:id="rId9"/>
+    <p:sldLayoutId id="2147483694" r:id="rId10"/>
+    <p:sldLayoutId id="2147483695" r:id="rId11"/>
   </p:sldLayoutIdLst>
   <p:txStyles>
     <p:titleStyle>
-      <a:lvl1pPr algn="l" defTabSz="685800" rtl="0" eaLnBrk="1" latinLnBrk="0" hangingPunct="1">
+      <a:lvl1pPr algn="l" defTabSz="761970" rtl="0" eaLnBrk="1" latinLnBrk="0" hangingPunct="1">
         <a:lnSpc>
           <a:spcPct val="90000"/>
         </a:lnSpc>
@@ -2690,7 +2718,7 @@
           <a:spcPct val="0"/>
         </a:spcBef>
         <a:buNone/>
-        <a:defRPr sz="3300" kern="1200">
+        <a:defRPr sz="3667" kern="1200">
           <a:solidFill>
             <a:schemeClr val="tx1"/>
           </a:solidFill>
@@ -2701,16 +2729,16 @@
       </a:lvl1pPr>
     </p:titleStyle>
     <p:bodyStyle>
-      <a:lvl1pPr marL="171450" indent="-171450" algn="l" defTabSz="685800" rtl="0" eaLnBrk="1" latinLnBrk="0" hangingPunct="1">
+      <a:lvl1pPr marL="190492" indent="-190492" algn="l" defTabSz="761970" rtl="0" eaLnBrk="1" latinLnBrk="0" hangingPunct="1">
         <a:lnSpc>
           <a:spcPct val="90000"/>
         </a:lnSpc>
         <a:spcBef>
-          <a:spcPts val="750"/>
+          <a:spcPts val="833"/>
         </a:spcBef>
         <a:buFont typeface="Arial" panose="020B0604020202020204" pitchFamily="34" charset="0"/>
         <a:buChar char="•"/>
-        <a:defRPr sz="2100" kern="1200">
+        <a:defRPr sz="2333" kern="1200">
           <a:solidFill>
             <a:schemeClr val="tx1"/>
           </a:solidFill>
@@ -2719,16 +2747,16 @@
           <a:cs typeface="+mn-cs"/>
         </a:defRPr>
       </a:lvl1pPr>
-      <a:lvl2pPr marL="514350" indent="-171450" algn="l" defTabSz="685800" rtl="0" eaLnBrk="1" latinLnBrk="0" hangingPunct="1">
+      <a:lvl2pPr marL="571477" indent="-190492" algn="l" defTabSz="761970" rtl="0" eaLnBrk="1" latinLnBrk="0" hangingPunct="1">
         <a:lnSpc>
           <a:spcPct val="90000"/>
         </a:lnSpc>
         <a:spcBef>
-          <a:spcPts val="375"/>
+          <a:spcPts val="417"/>
         </a:spcBef>
         <a:buFont typeface="Arial" panose="020B0604020202020204" pitchFamily="34" charset="0"/>
         <a:buChar char="•"/>
-        <a:defRPr sz="1800" kern="1200">
+        <a:defRPr sz="2000" kern="1200">
           <a:solidFill>
             <a:schemeClr val="tx1"/>
           </a:solidFill>
@@ -2737,12 +2765,30 @@
           <a:cs typeface="+mn-cs"/>
         </a:defRPr>
       </a:lvl2pPr>
-      <a:lvl3pPr marL="857250" indent="-171450" algn="l" defTabSz="685800" rtl="0" eaLnBrk="1" latinLnBrk="0" hangingPunct="1">
+      <a:lvl3pPr marL="952462" indent="-190492" algn="l" defTabSz="761970" rtl="0" eaLnBrk="1" latinLnBrk="0" hangingPunct="1">
         <a:lnSpc>
           <a:spcPct val="90000"/>
         </a:lnSpc>
         <a:spcBef>
-          <a:spcPts val="375"/>
+          <a:spcPts val="417"/>
+        </a:spcBef>
+        <a:buFont typeface="Arial" panose="020B0604020202020204" pitchFamily="34" charset="0"/>
+        <a:buChar char="•"/>
+        <a:defRPr sz="1667" kern="1200">
+          <a:solidFill>
+            <a:schemeClr val="tx1"/>
+          </a:solidFill>
+          <a:latin typeface="+mn-lt"/>
+          <a:ea typeface="+mn-ea"/>
+          <a:cs typeface="+mn-cs"/>
+        </a:defRPr>
+      </a:lvl3pPr>
+      <a:lvl4pPr marL="1333447" indent="-190492" algn="l" defTabSz="761970" rtl="0" eaLnBrk="1" latinLnBrk="0" hangingPunct="1">
+        <a:lnSpc>
+          <a:spcPct val="90000"/>
+        </a:lnSpc>
+        <a:spcBef>
+          <a:spcPts val="417"/>
         </a:spcBef>
         <a:buFont typeface="Arial" panose="020B0604020202020204" pitchFamily="34" charset="0"/>
         <a:buChar char="•"/>
@@ -2754,35 +2800,17 @@
           <a:ea typeface="+mn-ea"/>
           <a:cs typeface="+mn-cs"/>
         </a:defRPr>
-      </a:lvl3pPr>
-      <a:lvl4pPr marL="1200150" indent="-171450" algn="l" defTabSz="685800" rtl="0" eaLnBrk="1" latinLnBrk="0" hangingPunct="1">
+      </a:lvl4pPr>
+      <a:lvl5pPr marL="1714431" indent="-190492" algn="l" defTabSz="761970" rtl="0" eaLnBrk="1" latinLnBrk="0" hangingPunct="1">
         <a:lnSpc>
           <a:spcPct val="90000"/>
         </a:lnSpc>
         <a:spcBef>
-          <a:spcPts val="375"/>
+          <a:spcPts val="417"/>
         </a:spcBef>
         <a:buFont typeface="Arial" panose="020B0604020202020204" pitchFamily="34" charset="0"/>
         <a:buChar char="•"/>
-        <a:defRPr sz="1350" kern="1200">
-          <a:solidFill>
-            <a:schemeClr val="tx1"/>
-          </a:solidFill>
-          <a:latin typeface="+mn-lt"/>
-          <a:ea typeface="+mn-ea"/>
-          <a:cs typeface="+mn-cs"/>
-        </a:defRPr>
-      </a:lvl4pPr>
-      <a:lvl5pPr marL="1543050" indent="-171450" algn="l" defTabSz="685800" rtl="0" eaLnBrk="1" latinLnBrk="0" hangingPunct="1">
-        <a:lnSpc>
-          <a:spcPct val="90000"/>
-        </a:lnSpc>
-        <a:spcBef>
-          <a:spcPts val="375"/>
-        </a:spcBef>
-        <a:buFont typeface="Arial" panose="020B0604020202020204" pitchFamily="34" charset="0"/>
-        <a:buChar char="•"/>
-        <a:defRPr sz="1350" kern="1200">
+        <a:defRPr sz="1500" kern="1200">
           <a:solidFill>
             <a:schemeClr val="tx1"/>
           </a:solidFill>
@@ -2791,16 +2819,16 @@
           <a:cs typeface="+mn-cs"/>
         </a:defRPr>
       </a:lvl5pPr>
-      <a:lvl6pPr marL="1885950" indent="-171450" algn="l" defTabSz="685800" rtl="0" eaLnBrk="1" latinLnBrk="0" hangingPunct="1">
+      <a:lvl6pPr marL="2095416" indent="-190492" algn="l" defTabSz="761970" rtl="0" eaLnBrk="1" latinLnBrk="0" hangingPunct="1">
         <a:lnSpc>
           <a:spcPct val="90000"/>
         </a:lnSpc>
         <a:spcBef>
-          <a:spcPts val="375"/>
+          <a:spcPts val="417"/>
         </a:spcBef>
         <a:buFont typeface="Arial" panose="020B0604020202020204" pitchFamily="34" charset="0"/>
         <a:buChar char="•"/>
-        <a:defRPr sz="1350" kern="1200">
+        <a:defRPr sz="1500" kern="1200">
           <a:solidFill>
             <a:schemeClr val="tx1"/>
           </a:solidFill>
@@ -2809,16 +2837,16 @@
           <a:cs typeface="+mn-cs"/>
         </a:defRPr>
       </a:lvl6pPr>
-      <a:lvl7pPr marL="2228850" indent="-171450" algn="l" defTabSz="685800" rtl="0" eaLnBrk="1" latinLnBrk="0" hangingPunct="1">
+      <a:lvl7pPr marL="2476401" indent="-190492" algn="l" defTabSz="761970" rtl="0" eaLnBrk="1" latinLnBrk="0" hangingPunct="1">
         <a:lnSpc>
           <a:spcPct val="90000"/>
         </a:lnSpc>
         <a:spcBef>
-          <a:spcPts val="375"/>
+          <a:spcPts val="417"/>
         </a:spcBef>
         <a:buFont typeface="Arial" panose="020B0604020202020204" pitchFamily="34" charset="0"/>
         <a:buChar char="•"/>
-        <a:defRPr sz="1350" kern="1200">
+        <a:defRPr sz="1500" kern="1200">
           <a:solidFill>
             <a:schemeClr val="tx1"/>
           </a:solidFill>
@@ -2827,16 +2855,16 @@
           <a:cs typeface="+mn-cs"/>
         </a:defRPr>
       </a:lvl7pPr>
-      <a:lvl8pPr marL="2571750" indent="-171450" algn="l" defTabSz="685800" rtl="0" eaLnBrk="1" latinLnBrk="0" hangingPunct="1">
+      <a:lvl8pPr marL="2857386" indent="-190492" algn="l" defTabSz="761970" rtl="0" eaLnBrk="1" latinLnBrk="0" hangingPunct="1">
         <a:lnSpc>
           <a:spcPct val="90000"/>
         </a:lnSpc>
         <a:spcBef>
-          <a:spcPts val="375"/>
+          <a:spcPts val="417"/>
         </a:spcBef>
         <a:buFont typeface="Arial" panose="020B0604020202020204" pitchFamily="34" charset="0"/>
         <a:buChar char="•"/>
-        <a:defRPr sz="1350" kern="1200">
+        <a:defRPr sz="1500" kern="1200">
           <a:solidFill>
             <a:schemeClr val="tx1"/>
           </a:solidFill>
@@ -2845,16 +2873,16 @@
           <a:cs typeface="+mn-cs"/>
         </a:defRPr>
       </a:lvl8pPr>
-      <a:lvl9pPr marL="2914650" indent="-171450" algn="l" defTabSz="685800" rtl="0" eaLnBrk="1" latinLnBrk="0" hangingPunct="1">
+      <a:lvl9pPr marL="3238370" indent="-190492" algn="l" defTabSz="761970" rtl="0" eaLnBrk="1" latinLnBrk="0" hangingPunct="1">
         <a:lnSpc>
           <a:spcPct val="90000"/>
         </a:lnSpc>
         <a:spcBef>
-          <a:spcPts val="375"/>
+          <a:spcPts val="417"/>
         </a:spcBef>
         <a:buFont typeface="Arial" panose="020B0604020202020204" pitchFamily="34" charset="0"/>
         <a:buChar char="•"/>
-        <a:defRPr sz="1350" kern="1200">
+        <a:defRPr sz="1500" kern="1200">
           <a:solidFill>
             <a:schemeClr val="tx1"/>
           </a:solidFill>
@@ -2868,8 +2896,8 @@
       <a:defPPr>
         <a:defRPr lang="en-US"/>
       </a:defPPr>
-      <a:lvl1pPr marL="0" algn="l" defTabSz="685800" rtl="0" eaLnBrk="1" latinLnBrk="0" hangingPunct="1">
-        <a:defRPr sz="1350" kern="1200">
+      <a:lvl1pPr marL="0" algn="l" defTabSz="761970" rtl="0" eaLnBrk="1" latinLnBrk="0" hangingPunct="1">
+        <a:defRPr sz="1500" kern="1200">
           <a:solidFill>
             <a:schemeClr val="tx1"/>
           </a:solidFill>
@@ -2878,8 +2906,8 @@
           <a:cs typeface="+mn-cs"/>
         </a:defRPr>
       </a:lvl1pPr>
-      <a:lvl2pPr marL="342900" algn="l" defTabSz="685800" rtl="0" eaLnBrk="1" latinLnBrk="0" hangingPunct="1">
-        <a:defRPr sz="1350" kern="1200">
+      <a:lvl2pPr marL="380985" algn="l" defTabSz="761970" rtl="0" eaLnBrk="1" latinLnBrk="0" hangingPunct="1">
+        <a:defRPr sz="1500" kern="1200">
           <a:solidFill>
             <a:schemeClr val="tx1"/>
           </a:solidFill>
@@ -2888,8 +2916,8 @@
           <a:cs typeface="+mn-cs"/>
         </a:defRPr>
       </a:lvl2pPr>
-      <a:lvl3pPr marL="685800" algn="l" defTabSz="685800" rtl="0" eaLnBrk="1" latinLnBrk="0" hangingPunct="1">
-        <a:defRPr sz="1350" kern="1200">
+      <a:lvl3pPr marL="761970" algn="l" defTabSz="761970" rtl="0" eaLnBrk="1" latinLnBrk="0" hangingPunct="1">
+        <a:defRPr sz="1500" kern="1200">
           <a:solidFill>
             <a:schemeClr val="tx1"/>
           </a:solidFill>
@@ -2898,8 +2926,8 @@
           <a:cs typeface="+mn-cs"/>
         </a:defRPr>
       </a:lvl3pPr>
-      <a:lvl4pPr marL="1028700" algn="l" defTabSz="685800" rtl="0" eaLnBrk="1" latinLnBrk="0" hangingPunct="1">
-        <a:defRPr sz="1350" kern="1200">
+      <a:lvl4pPr marL="1142954" algn="l" defTabSz="761970" rtl="0" eaLnBrk="1" latinLnBrk="0" hangingPunct="1">
+        <a:defRPr sz="1500" kern="1200">
           <a:solidFill>
             <a:schemeClr val="tx1"/>
           </a:solidFill>
@@ -2908,8 +2936,8 @@
           <a:cs typeface="+mn-cs"/>
         </a:defRPr>
       </a:lvl4pPr>
-      <a:lvl5pPr marL="1371600" algn="l" defTabSz="685800" rtl="0" eaLnBrk="1" latinLnBrk="0" hangingPunct="1">
-        <a:defRPr sz="1350" kern="1200">
+      <a:lvl5pPr marL="1523939" algn="l" defTabSz="761970" rtl="0" eaLnBrk="1" latinLnBrk="0" hangingPunct="1">
+        <a:defRPr sz="1500" kern="1200">
           <a:solidFill>
             <a:schemeClr val="tx1"/>
           </a:solidFill>
@@ -2918,8 +2946,8 @@
           <a:cs typeface="+mn-cs"/>
         </a:defRPr>
       </a:lvl5pPr>
-      <a:lvl6pPr marL="1714500" algn="l" defTabSz="685800" rtl="0" eaLnBrk="1" latinLnBrk="0" hangingPunct="1">
-        <a:defRPr sz="1350" kern="1200">
+      <a:lvl6pPr marL="1904924" algn="l" defTabSz="761970" rtl="0" eaLnBrk="1" latinLnBrk="0" hangingPunct="1">
+        <a:defRPr sz="1500" kern="1200">
           <a:solidFill>
             <a:schemeClr val="tx1"/>
           </a:solidFill>
@@ -2928,8 +2956,8 @@
           <a:cs typeface="+mn-cs"/>
         </a:defRPr>
       </a:lvl6pPr>
-      <a:lvl7pPr marL="2057400" algn="l" defTabSz="685800" rtl="0" eaLnBrk="1" latinLnBrk="0" hangingPunct="1">
-        <a:defRPr sz="1350" kern="1200">
+      <a:lvl7pPr marL="2285909" algn="l" defTabSz="761970" rtl="0" eaLnBrk="1" latinLnBrk="0" hangingPunct="1">
+        <a:defRPr sz="1500" kern="1200">
           <a:solidFill>
             <a:schemeClr val="tx1"/>
           </a:solidFill>
@@ -2938,8 +2966,8 @@
           <a:cs typeface="+mn-cs"/>
         </a:defRPr>
       </a:lvl7pPr>
-      <a:lvl8pPr marL="2400300" algn="l" defTabSz="685800" rtl="0" eaLnBrk="1" latinLnBrk="0" hangingPunct="1">
-        <a:defRPr sz="1350" kern="1200">
+      <a:lvl8pPr marL="2666893" algn="l" defTabSz="761970" rtl="0" eaLnBrk="1" latinLnBrk="0" hangingPunct="1">
+        <a:defRPr sz="1500" kern="1200">
           <a:solidFill>
             <a:schemeClr val="tx1"/>
           </a:solidFill>
@@ -2948,8 +2976,8 @@
           <a:cs typeface="+mn-cs"/>
         </a:defRPr>
       </a:lvl8pPr>
-      <a:lvl9pPr marL="2743200" algn="l" defTabSz="685800" rtl="0" eaLnBrk="1" latinLnBrk="0" hangingPunct="1">
-        <a:defRPr sz="1350" kern="1200">
+      <a:lvl9pPr marL="3047878" algn="l" defTabSz="761970" rtl="0" eaLnBrk="1" latinLnBrk="0" hangingPunct="1">
+        <a:defRPr sz="1500" kern="1200">
           <a:solidFill>
             <a:schemeClr val="tx1"/>
           </a:solidFill>
@@ -2998,7 +3026,7 @@
         </p:nvSpPr>
         <p:spPr>
           <a:xfrm>
-            <a:off x="313765" y="408214"/>
+            <a:off x="821765" y="408214"/>
             <a:ext cx="8516470" cy="2872868"/>
           </a:xfrm>
         </p:spPr>
@@ -3009,8 +3037,15 @@
           <a:lstStyle/>
           <a:p>
             <a:r>
+              <a:rPr lang="es-VE" sz="4400" b="1" dirty="0"/>
+              <a:t>Capítulo 1</a:t>
+            </a:r>
+            <a:br>
               <a:rPr lang="es-VE" sz="8800" b="1" dirty="0"/>
-              <a:t>Capítulo 1: La Palabra de Dios</a:t>
+            </a:br>
+            <a:r>
+              <a:rPr lang="es-VE" sz="8800" b="1" dirty="0"/>
+              <a:t>La Palabra de Dios</a:t>
             </a:r>
           </a:p>
         </p:txBody>
@@ -3033,7 +3068,7 @@
         </p:nvSpPr>
         <p:spPr>
           <a:xfrm>
-            <a:off x="1143000" y="3281082"/>
+            <a:off x="1651000" y="3281082"/>
             <a:ext cx="6858000" cy="1896036"/>
           </a:xfrm>
         </p:spPr>
@@ -3117,7 +3152,7 @@
         </p:nvSpPr>
         <p:spPr>
           <a:xfrm>
-            <a:off x="0" y="0"/>
+            <a:off x="508000" y="0"/>
             <a:ext cx="9144000" cy="1559858"/>
           </a:xfrm>
         </p:spPr>
@@ -3129,7 +3164,7 @@
           <a:p>
             <a:pPr algn="ctr"/>
             <a:r>
-              <a:rPr lang="es-VE" sz="6600" b="1" dirty="0"/>
+              <a:rPr lang="es-VE" sz="6600" b="1" u="sng" dirty="0"/>
               <a:t>Índice de contenido</a:t>
             </a:r>
           </a:p>
@@ -3153,7 +3188,7 @@
         </p:nvSpPr>
         <p:spPr>
           <a:xfrm>
-            <a:off x="228600" y="1559858"/>
+            <a:off x="736600" y="1559859"/>
             <a:ext cx="8686800" cy="3845859"/>
           </a:xfrm>
         </p:spPr>
@@ -3168,21 +3203,27 @@
               <a:buAutoNum type="arabicPeriod"/>
             </a:pPr>
             <a:r>
-              <a:rPr lang="es-VE" sz="3600" b="1" dirty="0">
-                <a:latin typeface="+mj-lt"/>
-              </a:rPr>
-              <a:t>La Palabra de Dios como Persona: Jesucristo</a:t>
-            </a:r>
-          </a:p>
-          <a:p>
-            <a:pPr marL="342900" lvl="1" indent="0">
-              <a:buNone/>
-            </a:pPr>
-            <a:r>
               <a:rPr lang="es-VE" sz="2800" b="1" dirty="0">
                 <a:latin typeface="+mj-lt"/>
               </a:rPr>
-              <a:t>1.1. ¿la traducción correcta es Verbo o Palabra?</a:t>
+              <a:t>La Palabra de Dios como Persona: Jesucristo</a:t>
+            </a:r>
+          </a:p>
+          <a:p>
+            <a:pPr marL="685800" lvl="2" indent="0">
+              <a:buNone/>
+            </a:pPr>
+            <a:r>
+              <a:rPr lang="es-VE" sz="2500" b="1" dirty="0">
+                <a:latin typeface="+mj-lt"/>
+              </a:rPr>
+              <a:t>1.1. </a:t>
+            </a:r>
+            <a:r>
+              <a:rPr lang="es-VE" sz="2500" dirty="0">
+                <a:latin typeface="+mj-lt"/>
+              </a:rPr>
+              <a:t>¿la traducción correcta es Verbo o Palabra?</a:t>
             </a:r>
           </a:p>
           <a:p>
@@ -3191,75 +3232,75 @@
               <a:buAutoNum type="arabicPeriod"/>
             </a:pPr>
             <a:r>
-              <a:rPr lang="es-VE" sz="3600" b="1" dirty="0">
-                <a:latin typeface="+mj-lt"/>
-              </a:rPr>
-              <a:t>La Palabra de Dios como discurso de Dios</a:t>
-            </a:r>
-          </a:p>
-          <a:p>
-            <a:pPr marL="342900" lvl="1" indent="0">
-              <a:buNone/>
-            </a:pPr>
-            <a:r>
               <a:rPr lang="es-VE" sz="2800" b="1" dirty="0">
                 <a:latin typeface="+mj-lt"/>
               </a:rPr>
+              <a:t>La Palabra de Dios como discurso de Dios</a:t>
+            </a:r>
+          </a:p>
+          <a:p>
+            <a:pPr marL="685800" lvl="2" indent="0">
+              <a:buNone/>
+            </a:pPr>
+            <a:r>
+              <a:rPr lang="es-VE" sz="2500" b="1" dirty="0">
+                <a:latin typeface="+mj-lt"/>
+              </a:rPr>
               <a:t>2.1.</a:t>
             </a:r>
             <a:r>
-              <a:rPr lang="es-VE" sz="2800" dirty="0">
+              <a:rPr lang="es-VE" sz="2500" dirty="0">
                 <a:latin typeface="+mj-lt"/>
               </a:rPr>
               <a:t> Decretos de Dios</a:t>
             </a:r>
           </a:p>
           <a:p>
-            <a:pPr marL="342900" lvl="1" indent="0">
+            <a:pPr marL="685800" lvl="2" indent="0">
               <a:buNone/>
             </a:pPr>
             <a:r>
-              <a:rPr lang="es-VE" sz="2800" b="1" dirty="0">
+              <a:rPr lang="es-VE" sz="2500" b="1" dirty="0">
                 <a:latin typeface="+mj-lt"/>
               </a:rPr>
               <a:t>2.2.</a:t>
             </a:r>
             <a:r>
-              <a:rPr lang="es-VE" sz="2800" dirty="0">
+              <a:rPr lang="es-VE" sz="2500" dirty="0">
                 <a:latin typeface="+mj-lt"/>
               </a:rPr>
               <a:t> Palabras de Dios de comunicación personal</a:t>
             </a:r>
           </a:p>
           <a:p>
-            <a:pPr marL="342900" lvl="1" indent="0">
+            <a:pPr marL="685800" lvl="2" indent="0">
               <a:buNone/>
             </a:pPr>
             <a:r>
-              <a:rPr lang="es-VE" sz="2800" b="1" dirty="0">
+              <a:rPr lang="es-VE" sz="2500" b="1" dirty="0">
                 <a:latin typeface="+mj-lt"/>
               </a:rPr>
               <a:t>2.3.</a:t>
             </a:r>
             <a:r>
-              <a:rPr lang="es-VE" sz="2800" dirty="0">
+              <a:rPr lang="es-VE" sz="2500" dirty="0">
                 <a:latin typeface="+mj-lt"/>
               </a:rPr>
               <a:t> Palabras de Dios como discurso pronunciadas por labios humanos</a:t>
             </a:r>
           </a:p>
           <a:p>
-            <a:pPr marL="342900" lvl="1" indent="0">
+            <a:pPr marL="685800" lvl="2" indent="0">
               <a:buNone/>
             </a:pPr>
             <a:r>
-              <a:rPr lang="es-VE" sz="2800" b="1" dirty="0">
+              <a:rPr lang="es-VE" sz="2500" b="1" dirty="0">
                 <a:latin typeface="+mj-lt"/>
               </a:rPr>
               <a:t>2.4. </a:t>
             </a:r>
             <a:r>
-              <a:rPr lang="es-VE" sz="2800" dirty="0">
+              <a:rPr lang="es-VE" sz="2500" dirty="0">
                 <a:latin typeface="+mj-lt"/>
               </a:rPr>
               <a:t>Palabras de Dios en forma escrita (la Biblia)</a:t>
@@ -3315,7 +3356,7 @@
         </p:nvSpPr>
         <p:spPr>
           <a:xfrm>
-            <a:off x="134471" y="149646"/>
+            <a:off x="642471" y="149647"/>
             <a:ext cx="8875058" cy="585459"/>
           </a:xfrm>
         </p:spPr>
@@ -3363,13 +3404,13 @@
         </p:nvSpPr>
         <p:spPr>
           <a:xfrm>
-            <a:off x="134471" y="735105"/>
+            <a:off x="642471" y="735106"/>
             <a:ext cx="8875058" cy="4830249"/>
           </a:xfrm>
         </p:spPr>
         <p:txBody>
           <a:bodyPr anchor="ctr">
-            <a:normAutofit/>
+            <a:normAutofit fontScale="92500"/>
           </a:bodyPr>
           <a:lstStyle/>
           <a:p>
@@ -3617,7 +3658,7 @@
         </p:nvSpPr>
         <p:spPr>
           <a:xfrm>
-            <a:off x="167148" y="1"/>
+            <a:off x="675148" y="126272"/>
             <a:ext cx="8809704" cy="627528"/>
           </a:xfrm>
         </p:spPr>
@@ -3669,7 +3710,7 @@
         </p:nvSpPr>
         <p:spPr>
           <a:xfrm>
-            <a:off x="167148" y="627530"/>
+            <a:off x="675148" y="627531"/>
             <a:ext cx="8809704" cy="4975411"/>
           </a:xfrm>
         </p:spPr>
@@ -3722,12 +3763,13 @@
               <a:rPr lang="es-VE" sz="2000" dirty="0"/>
               <a:t>; este término es empleado, sobre todo, por Juan en su Evangelio. </a:t>
             </a:r>
+            <a:endParaRPr lang="es-VE" sz="300" dirty="0"/>
           </a:p>
           <a:p>
             <a:pPr marL="0" indent="0">
               <a:buNone/>
             </a:pPr>
-            <a:endParaRPr lang="es-VE" sz="2000" dirty="0"/>
+            <a:endParaRPr lang="es-VE" sz="300" dirty="0"/>
           </a:p>
           <a:p>
             <a:pPr marL="0" indent="0">
@@ -3917,9 +3959,10 @@
               <a:rPr lang="es-VE" sz="2000" dirty="0"/>
               <a:t>.</a:t>
             </a:r>
-          </a:p>
-          <a:p>
-            <a:endParaRPr lang="en-US" sz="2000" dirty="0"/>
+            <a:endParaRPr lang="es-VE" sz="300" dirty="0"/>
+          </a:p>
+          <a:p>
+            <a:endParaRPr lang="en-US" sz="300" dirty="0"/>
           </a:p>
           <a:p>
             <a:pPr marL="0" indent="0">
@@ -4076,7 +4119,7 @@
         </p:nvSpPr>
         <p:spPr>
           <a:xfrm>
-            <a:off x="134471" y="-1"/>
+            <a:off x="642471" y="-1"/>
             <a:ext cx="8875058" cy="1048872"/>
           </a:xfrm>
         </p:spPr>
@@ -4119,13 +4162,13 @@
         </p:nvSpPr>
         <p:spPr>
           <a:xfrm>
-            <a:off x="134471" y="1048871"/>
+            <a:off x="642471" y="1048871"/>
             <a:ext cx="8875058" cy="4516484"/>
           </a:xfrm>
         </p:spPr>
         <p:txBody>
           <a:bodyPr anchor="ctr">
-            <a:normAutofit fontScale="92500"/>
+            <a:normAutofit fontScale="85000" lnSpcReduction="10000"/>
           </a:bodyPr>
           <a:lstStyle/>
           <a:p>
@@ -4356,7 +4399,7 @@
         </p:nvSpPr>
         <p:spPr>
           <a:xfrm>
-            <a:off x="134471" y="-2"/>
+            <a:off x="642471" y="-2"/>
             <a:ext cx="8875058" cy="1156449"/>
           </a:xfrm>
         </p:spPr>
@@ -4399,13 +4442,13 @@
         </p:nvSpPr>
         <p:spPr>
           <a:xfrm>
-            <a:off x="134471" y="1156448"/>
-            <a:ext cx="8875058" cy="4283846"/>
+            <a:off x="642471" y="1009981"/>
+            <a:ext cx="8875058" cy="4576780"/>
           </a:xfrm>
         </p:spPr>
         <p:txBody>
           <a:bodyPr anchor="ctr">
-            <a:normAutofit/>
+            <a:normAutofit fontScale="92500" lnSpcReduction="10000"/>
           </a:bodyPr>
           <a:lstStyle/>
           <a:p>
@@ -4413,11 +4456,11 @@
               <a:buNone/>
             </a:pPr>
             <a:r>
-              <a:rPr lang="es-VE" dirty="0"/>
+              <a:rPr lang="es-VE" sz="2400" dirty="0"/>
               <a:t>A veces Dios se comunica con personas en la tierra </a:t>
             </a:r>
             <a:r>
-              <a:rPr lang="es-VE" dirty="0">
+              <a:rPr lang="es-VE" sz="2400" dirty="0">
                 <a:highlight>
                   <a:srgbClr val="008000"/>
                 </a:highlight>
@@ -4425,11 +4468,11 @@
               <a:t>hablándoles directamente</a:t>
             </a:r>
             <a:r>
-              <a:rPr lang="es-VE" dirty="0"/>
+              <a:rPr lang="es-VE" sz="2400" dirty="0"/>
               <a:t>. A estas se les puede llamar palabras de Dios de </a:t>
             </a:r>
             <a:r>
-              <a:rPr lang="es-VE" dirty="0">
+              <a:rPr lang="es-VE" sz="2400" dirty="0">
                 <a:highlight>
                   <a:srgbClr val="800000"/>
                 </a:highlight>
@@ -4437,7 +4480,7 @@
               <a:t>comunicación personal</a:t>
             </a:r>
             <a:r>
-              <a:rPr lang="es-VE" dirty="0"/>
+              <a:rPr lang="es-VE" sz="2400" dirty="0"/>
               <a:t>.</a:t>
             </a:r>
           </a:p>
@@ -4445,15 +4488,15 @@
             <a:pPr marL="0" indent="0">
               <a:buNone/>
             </a:pPr>
-            <a:endParaRPr lang="es-VE" dirty="0"/>
-          </a:p>
-          <a:p>
-            <a:r>
-              <a:rPr lang="es-VE" dirty="0"/>
+            <a:endParaRPr lang="es-VE" sz="2400" dirty="0"/>
+          </a:p>
+          <a:p>
+            <a:r>
+              <a:rPr lang="es-VE" sz="2400" dirty="0"/>
               <a:t>Al mismo principio de la creación Dios habla con Adán: </a:t>
             </a:r>
             <a:r>
-              <a:rPr lang="es-VE" b="1" dirty="0">
+              <a:rPr lang="es-VE" sz="2400" b="1" dirty="0">
                 <a:solidFill>
                   <a:srgbClr val="FFC000"/>
                 </a:solidFill>
@@ -4461,17 +4504,17 @@
               <a:t>[Gn 2:16-17]</a:t>
             </a:r>
             <a:r>
-              <a:rPr lang="es-VE" dirty="0"/>
+              <a:rPr lang="es-VE" sz="2400" dirty="0"/>
               <a:t>.</a:t>
             </a:r>
           </a:p>
           <a:p>
             <a:r>
-              <a:rPr lang="es-VE" dirty="0"/>
+              <a:rPr lang="es-VE" sz="2400" dirty="0"/>
               <a:t>Después del pecado de Adán y Eva, Dios habla directa y personalmente con ellos en las palabras de la maldición </a:t>
             </a:r>
             <a:r>
-              <a:rPr lang="es-VE" b="1" dirty="0">
+              <a:rPr lang="es-VE" sz="2400" b="1" dirty="0">
                 <a:solidFill>
                   <a:srgbClr val="FFC000"/>
                 </a:solidFill>
@@ -4479,17 +4522,17 @@
               <a:t>[Gn 3:16-19]</a:t>
             </a:r>
             <a:r>
-              <a:rPr lang="es-VE" dirty="0"/>
+              <a:rPr lang="es-VE" sz="2400" dirty="0"/>
               <a:t>.</a:t>
             </a:r>
           </a:p>
           <a:p>
             <a:r>
-              <a:rPr lang="es-VE" dirty="0"/>
+              <a:rPr lang="es-VE" sz="2400" dirty="0"/>
               <a:t>El otorgamiento de los Diez Mandamientos: </a:t>
             </a:r>
             <a:r>
-              <a:rPr lang="es-VE" b="1" dirty="0">
+              <a:rPr lang="es-VE" sz="2400" b="1" dirty="0">
                 <a:solidFill>
                   <a:srgbClr val="FFC000"/>
                 </a:solidFill>
@@ -4497,17 +4540,17 @@
               <a:t>[Ex 20:1-3]</a:t>
             </a:r>
             <a:r>
-              <a:rPr lang="es-VE" dirty="0"/>
+              <a:rPr lang="es-VE" sz="2400" dirty="0"/>
               <a:t>.</a:t>
             </a:r>
           </a:p>
           <a:p>
             <a:r>
-              <a:rPr lang="es-VE" dirty="0"/>
+              <a:rPr lang="es-VE" sz="2400" dirty="0"/>
               <a:t>En el bautismo de Jesús, Dios Padre habló con una voz del cielo </a:t>
             </a:r>
             <a:r>
-              <a:rPr lang="es-VE" b="1" dirty="0">
+              <a:rPr lang="es-VE" sz="2400" b="1" dirty="0">
                 <a:solidFill>
                   <a:srgbClr val="FFC000"/>
                 </a:solidFill>
@@ -4515,23 +4558,23 @@
               <a:t>[Mt 3:17]</a:t>
             </a:r>
             <a:r>
-              <a:rPr lang="es-VE" dirty="0"/>
+              <a:rPr lang="es-VE" sz="2400" dirty="0"/>
               <a:t>.</a:t>
             </a:r>
           </a:p>
           <a:p>
-            <a:endParaRPr lang="es-VE" dirty="0"/>
+            <a:endParaRPr lang="es-VE" sz="2400" dirty="0"/>
           </a:p>
           <a:p>
             <a:pPr marL="0" indent="0">
               <a:buNone/>
             </a:pPr>
             <a:r>
-              <a:rPr lang="es-VE" dirty="0"/>
+              <a:rPr lang="es-VE" sz="2400" dirty="0"/>
               <a:t>En todos estos casos es la voz de Dios audible en </a:t>
             </a:r>
             <a:r>
-              <a:rPr lang="es-VE" dirty="0">
+              <a:rPr lang="es-VE" sz="2400" dirty="0">
                 <a:highlight>
                   <a:srgbClr val="008000"/>
                 </a:highlight>
@@ -4539,19 +4582,19 @@
               <a:t>lenguaje humano</a:t>
             </a:r>
             <a:r>
-              <a:rPr lang="es-VE" dirty="0"/>
+              <a:rPr lang="es-VE" sz="2400" dirty="0"/>
               <a:t>, y por consiguiente estas palabras tienen </a:t>
             </a:r>
             <a:r>
-              <a:rPr lang="es-VE" b="1" dirty="0"/>
+              <a:rPr lang="es-VE" sz="2400" b="1" dirty="0"/>
               <a:t>confiabilidad y autoridad absoluta</a:t>
             </a:r>
             <a:r>
-              <a:rPr lang="es-VE" dirty="0"/>
+              <a:rPr lang="es-VE" sz="2400" dirty="0"/>
               <a:t>. No creer o desobedecer estas palabras </a:t>
             </a:r>
             <a:r>
-              <a:rPr lang="es-VE" dirty="0">
+              <a:rPr lang="es-VE" sz="2400" dirty="0">
                 <a:solidFill>
                   <a:schemeClr val="accent5"/>
                 </a:solidFill>
@@ -4559,7 +4602,7 @@
               <a:t>seria pecado</a:t>
             </a:r>
             <a:r>
-              <a:rPr lang="es-VE" dirty="0"/>
+              <a:rPr lang="es-VE" sz="2400" dirty="0"/>
               <a:t>.</a:t>
             </a:r>
           </a:p>
@@ -4613,7 +4656,7 @@
         </p:nvSpPr>
         <p:spPr>
           <a:xfrm>
-            <a:off x="134471" y="-2"/>
+            <a:off x="642471" y="-2"/>
             <a:ext cx="8875058" cy="1156449"/>
           </a:xfrm>
         </p:spPr>
@@ -4656,13 +4699,13 @@
         </p:nvSpPr>
         <p:spPr>
           <a:xfrm>
-            <a:off x="134471" y="1156448"/>
+            <a:off x="642471" y="1156448"/>
             <a:ext cx="8875058" cy="4283846"/>
           </a:xfrm>
         </p:spPr>
         <p:txBody>
           <a:bodyPr anchor="ctr">
-            <a:normAutofit/>
+            <a:normAutofit fontScale="92500" lnSpcReduction="20000"/>
           </a:bodyPr>
           <a:lstStyle/>
           <a:p>
@@ -4943,7 +4986,7 @@
         </p:nvSpPr>
         <p:spPr>
           <a:xfrm>
-            <a:off x="134471" y="-2"/>
+            <a:off x="642471" y="-2"/>
             <a:ext cx="8875058" cy="1156449"/>
           </a:xfrm>
         </p:spPr>
@@ -4986,13 +5029,13 @@
         </p:nvSpPr>
         <p:spPr>
           <a:xfrm>
-            <a:off x="134471" y="1156448"/>
+            <a:off x="642471" y="1156448"/>
             <a:ext cx="8875058" cy="4283846"/>
           </a:xfrm>
         </p:spPr>
         <p:txBody>
           <a:bodyPr anchor="ctr">
-            <a:normAutofit/>
+            <a:normAutofit fontScale="92500"/>
           </a:bodyPr>
           <a:lstStyle/>
           <a:p>
@@ -5108,7 +5151,7 @@
 </file>
 
 <file path=ppt/theme/theme1.xml><?xml version="1.0" encoding="utf-8"?>
-<a:theme xmlns:a="http://schemas.openxmlformats.org/drawingml/2006/main" name="Office Theme">
+<a:theme xmlns:a="http://schemas.openxmlformats.org/drawingml/2006/main" name="Tema de Office">
   <a:themeElements>
     <a:clrScheme name="Tema de Office">
       <a:dk1>
@@ -5362,7 +5405,7 @@
   <a:extraClrSchemeLst/>
   <a:extLst>
     <a:ext uri="{05A4C25C-085E-4340-85A3-A5531E510DB2}">
-      <thm15:themeFamily xmlns:thm15="http://schemas.microsoft.com/office/thememl/2012/main" name="Office Theme" id="{62F939B6-93AF-4DB8-9C6B-D6C7DFDC589F}" vid="{3E4F19A7-A959-40BB-972C-4880BAF8EB09}"/>
+      <thm15:themeFamily xmlns:thm15="http://schemas.microsoft.com/office/thememl/2012/main" name="Office Theme 2013 - 2022" id="{62F939B6-93AF-4DB8-9C6B-D6C7DFDC589F}" vid="{3E4F19A7-A959-40BB-972C-4880BAF8EB09}"/>
     </a:ext>
   </a:extLst>
 </a:theme>
